--- a/slides/07_Spring_Boot_Techniques.pptx
+++ b/slides/07_Spring_Boot_Techniques.pptx
@@ -230,7 +230,7 @@
           <a:p>
             <a:fld id="{83DEBBD1-6077-4938-811F-54E4AC433829}" type="datetimeFigureOut">
               <a:rPr lang="en-GB" smtClean="0"/>
-              <a:t>17/09/2021</a:t>
+              <a:t>12/10/2021</a:t>
             </a:fld>
             <a:endParaRPr lang="en-GB"/>
           </a:p>
@@ -3561,7 +3561,7 @@
           <a:p>
             <a:fld id="{128B0A6C-EF38-9441-ADBF-8FE45FA6C46E}" type="datetimeFigureOut">
               <a:rPr lang="en-US" smtClean="0"/>
-              <a:t>9/17/2021</a:t>
+              <a:t>10/12/2021</a:t>
             </a:fld>
             <a:endParaRPr lang="en-US"/>
           </a:p>
@@ -9161,22 +9161,13 @@
               </a:tabLst>
             </a:pPr>
             <a:r>
-              <a:rPr lang="en-GB" sz="1600" b="1">
-                <a:solidFill>
-                  <a:srgbClr val="00B050"/>
-                </a:solidFill>
-                <a:latin typeface="+mj-lt"/>
-              </a:rPr>
-              <a:t>Property </a:t>
-            </a:r>
-            <a:r>
               <a:rPr lang="en-GB" sz="1600" b="1" dirty="0">
                 <a:solidFill>
                   <a:srgbClr val="00B050"/>
                 </a:solidFill>
                 <a:latin typeface="+mj-lt"/>
               </a:rPr>
-              <a:t>	Value if "UK" profile	Value if "US" profile</a:t>
+              <a:t>Property 	Value if "UK" profile	Value if "US" profile</a:t>
             </a:r>
           </a:p>
           <a:p>
